--- a/Presentation_Slide/final-presentation.pptx
+++ b/Presentation_Slide/final-presentation.pptx
@@ -123,11 +123,43 @@
     </a:lvl9pPr>
   </p:defaultTextStyle>
   <p:extLst>
+    <p:ext uri="{EFAFB233-063F-42B5-8137-9DF3F51BA10A}">
+      <p15:sldGuideLst xmlns:p15="http://schemas.microsoft.com/office/powerpoint/2012/main"/>
+    </p:ext>
     <p:ext uri="http://customooxmlschemas.google.com/">
-      <go:slidesCustomData xmlns:go="http://customooxmlschemas.google.com/" xmlns:ahyp="http://schemas.microsoft.com/office/drawing/2018/hyperlinkcolor" xmlns:p15="http://schemas.microsoft.com/office/powerpoint/2012/main" xmlns:p14="http://schemas.microsoft.com/office/powerpoint/2010/main" xmlns:com="http://schemas.openxmlformats.org/drawingml/2006/compatibility" xmlns:pvml="urn:schemas-microsoft-com:office:powerpoint" xmlns:v="urn:schemas-microsoft-com:vml" xmlns:o="urn:schemas-microsoft-com:office:office" xmlns:dgm="http://schemas.openxmlformats.org/drawingml/2006/diagram" xmlns:c="http://schemas.openxmlformats.org/drawingml/2006/chart" xmlns:mv="urn:schemas-microsoft-com:mac:vml" xmlns:mc="http://schemas.openxmlformats.org/markup-compatibility/2006" xmlns="" r:id="rId21" roundtripDataSignature="AMtx7mh+aw2Gk1EnY/Q2vBu96aXL2e/Mew=="/>
+      <go:slidesCustomData xmlns="" xmlns:mc="http://schemas.openxmlformats.org/markup-compatibility/2006" xmlns:mv="urn:schemas-microsoft-com:mac:vml" xmlns:c="http://schemas.openxmlformats.org/drawingml/2006/chart" xmlns:dgm="http://schemas.openxmlformats.org/drawingml/2006/diagram" xmlns:o="urn:schemas-microsoft-com:office:office" xmlns:v="urn:schemas-microsoft-com:vml" xmlns:pvml="urn:schemas-microsoft-com:office:powerpoint" xmlns:com="http://schemas.openxmlformats.org/drawingml/2006/compatibility" xmlns:p14="http://schemas.microsoft.com/office/powerpoint/2010/main" xmlns:p15="http://schemas.microsoft.com/office/powerpoint/2012/main" xmlns:ahyp="http://schemas.microsoft.com/office/drawing/2018/hyperlinkcolor" xmlns:go="http://customooxmlschemas.google.com/" r:id="rId21" roundtripDataSignature="AMtx7mh+aw2Gk1EnY/Q2vBu96aXL2e/Mew=="/>
     </p:ext>
   </p:extLst>
 </p:presentation>
+</file>
+
+<file path=ppt/changesInfos/changesInfo1.xml><?xml version="1.0" encoding="utf-8"?>
+<pc:chgInfo xmlns:a="http://schemas.openxmlformats.org/drawingml/2006/main" xmlns:r="http://schemas.openxmlformats.org/officeDocument/2006/relationships" xmlns:ac="http://schemas.microsoft.com/office/drawing/2013/main/command" xmlns:pc="http://schemas.microsoft.com/office/powerpoint/2013/main/command">
+  <pc:docChgLst>
+    <pc:chgData name="Nusrat" userId="1a06281c6235c005" providerId="LiveId" clId="{F80F88F4-FAEF-46E5-B8FA-4A1CD8BED7F1}"/>
+    <pc:docChg chg="modSld">
+      <pc:chgData name="Nusrat" userId="1a06281c6235c005" providerId="LiveId" clId="{F80F88F4-FAEF-46E5-B8FA-4A1CD8BED7F1}" dt="2022-12-13T23:13:33.659" v="27" actId="20577"/>
+      <pc:docMkLst>
+        <pc:docMk/>
+      </pc:docMkLst>
+      <pc:sldChg chg="modSp mod">
+        <pc:chgData name="Nusrat" userId="1a06281c6235c005" providerId="LiveId" clId="{F80F88F4-FAEF-46E5-B8FA-4A1CD8BED7F1}" dt="2022-12-13T23:13:33.659" v="27" actId="20577"/>
+        <pc:sldMkLst>
+          <pc:docMk/>
+          <pc:sldMk cId="0" sldId="264"/>
+        </pc:sldMkLst>
+        <pc:spChg chg="mod">
+          <ac:chgData name="Nusrat" userId="1a06281c6235c005" providerId="LiveId" clId="{F80F88F4-FAEF-46E5-B8FA-4A1CD8BED7F1}" dt="2022-12-13T23:13:33.659" v="27" actId="20577"/>
+          <ac:spMkLst>
+            <pc:docMk/>
+            <pc:sldMk cId="0" sldId="264"/>
+            <ac:spMk id="141" creationId="{00000000-0000-0000-0000-000000000000}"/>
+          </ac:spMkLst>
+        </pc:spChg>
+      </pc:sldChg>
+    </pc:docChg>
+  </pc:docChgLst>
+</pc:chgInfo>
 </file>
 
 <file path=ppt/notesMasters/notesMaster1.xml><?xml version="1.0" encoding="utf-8"?>
@@ -10301,6 +10333,26 @@
               </a:spcAft>
               <a:buNone/>
             </a:pPr>
+            <a:endParaRPr lang="en-US" sz="1800" dirty="0"/>
+          </a:p>
+          <a:p>
+            <a:pPr marL="0" lvl="0" indent="0" algn="l" rtl="0">
+              <a:spcBef>
+                <a:spcPts val="1000"/>
+              </a:spcBef>
+              <a:spcAft>
+                <a:spcPts val="0"/>
+              </a:spcAft>
+              <a:buNone/>
+            </a:pPr>
+            <a:r>
+              <a:rPr lang="en-US" sz="1800" dirty="0"/>
+              <a:t>Activation Function: </a:t>
+            </a:r>
+            <a:r>
+              <a:rPr lang="en-US" sz="1800" dirty="0" err="1"/>
+              <a:t>ReLU</a:t>
+            </a:r>
             <a:endParaRPr sz="1800" dirty="0"/>
           </a:p>
           <a:p>
